--- a/Fonction_flechee_1_1.pptx
+++ b/Fonction_flechee_1_1.pptx
@@ -24,7 +24,7 @@
     <p:sldId id="274" r:id="rId15"/>
   </p:sldIdLst>
   <p:sldSz cx="12192000" cy="6858000"/>
-  <p:notesSz cx="6858000" cy="9144000"/>
+  <p:notesSz cx="6669088" cy="9872663"/>
   <p:defaultTextStyle>
     <a:defPPr>
       <a:defRPr lang="fr-FR"/>
@@ -131,7 +131,7 @@
 <file path=ppt/revisionInfo.xml><?xml version="1.0" encoding="utf-8"?>
 <p1510:revInfo xmlns:a="http://schemas.openxmlformats.org/drawingml/2006/main" xmlns:r="http://schemas.openxmlformats.org/officeDocument/2006/relationships" xmlns:p1510="http://schemas.microsoft.com/office/powerpoint/2015/10/main">
   <p1510:revLst>
-    <p1510:client id="{079D53D0-BCAA-4922-9147-2D7EFAD5C49E}" v="429" dt="2023-04-27T07:49:10.459"/>
+    <p1510:client id="{079D53D0-BCAA-4922-9147-2D7EFAD5C49E}" v="431" dt="2023-04-27T07:51:52.761"/>
   </p1510:revLst>
 </p1510:revInfo>
 </file>
@@ -241,17 +241,25 @@
   </pc:docChgLst>
   <pc:docChgLst>
     <pc:chgData name="BOUNATIROU Rodolphe" userId="02a2522b-b6cf-4b18-bfba-e33ca221fe04" providerId="ADAL" clId="{079D53D0-BCAA-4922-9147-2D7EFAD5C49E}"/>
-    <pc:docChg chg="undo custSel modSld sldOrd">
-      <pc:chgData name="BOUNATIROU Rodolphe" userId="02a2522b-b6cf-4b18-bfba-e33ca221fe04" providerId="ADAL" clId="{079D53D0-BCAA-4922-9147-2D7EFAD5C49E}" dt="2023-04-27T07:50:41.967" v="4772" actId="20577"/>
+    <pc:docChg chg="undo custSel modSld sldOrd modNotesMaster">
+      <pc:chgData name="BOUNATIROU Rodolphe" userId="02a2522b-b6cf-4b18-bfba-e33ca221fe04" providerId="ADAL" clId="{079D53D0-BCAA-4922-9147-2D7EFAD5C49E}" dt="2023-04-27T08:44:27.202" v="4783" actId="20577"/>
       <pc:docMkLst>
         <pc:docMk/>
       </pc:docMkLst>
       <pc:sldChg chg="modSp mod modNotesTx">
-        <pc:chgData name="BOUNATIROU Rodolphe" userId="02a2522b-b6cf-4b18-bfba-e33ca221fe04" providerId="ADAL" clId="{079D53D0-BCAA-4922-9147-2D7EFAD5C49E}" dt="2023-04-24T06:52:04.212" v="1220" actId="20577"/>
+        <pc:chgData name="BOUNATIROU Rodolphe" userId="02a2522b-b6cf-4b18-bfba-e33ca221fe04" providerId="ADAL" clId="{079D53D0-BCAA-4922-9147-2D7EFAD5C49E}" dt="2023-04-27T08:44:27.202" v="4783" actId="20577"/>
         <pc:sldMkLst>
           <pc:docMk/>
           <pc:sldMk cId="1446918512" sldId="256"/>
         </pc:sldMkLst>
+        <pc:spChg chg="mod">
+          <ac:chgData name="BOUNATIROU Rodolphe" userId="02a2522b-b6cf-4b18-bfba-e33ca221fe04" providerId="ADAL" clId="{079D53D0-BCAA-4922-9147-2D7EFAD5C49E}" dt="2023-04-27T08:44:27.202" v="4783" actId="20577"/>
+          <ac:spMkLst>
+            <pc:docMk/>
+            <pc:sldMk cId="1446918512" sldId="256"/>
+            <ac:spMk id="2" creationId="{AF529F04-23E3-1284-F576-DD51BDEB75D6}"/>
+          </ac:spMkLst>
+        </pc:spChg>
         <pc:spChg chg="mod">
           <ac:chgData name="BOUNATIROU Rodolphe" userId="02a2522b-b6cf-4b18-bfba-e33ca221fe04" providerId="ADAL" clId="{079D53D0-BCAA-4922-9147-2D7EFAD5C49E}" dt="2023-04-24T06:52:04.212" v="1220" actId="20577"/>
           <ac:spMkLst>
@@ -656,7 +664,7 @@
         <p:spPr>
           <a:xfrm>
             <a:off x="0" y="0"/>
-            <a:ext cx="2971800" cy="458788"/>
+            <a:ext cx="2889938" cy="495348"/>
           </a:xfrm>
           <a:prstGeom prst="rect">
             <a:avLst/>
@@ -686,8 +694,8 @@
         </p:nvSpPr>
         <p:spPr>
           <a:xfrm>
-            <a:off x="3884613" y="0"/>
-            <a:ext cx="2971800" cy="458788"/>
+            <a:off x="3777607" y="0"/>
+            <a:ext cx="2889938" cy="495348"/>
           </a:xfrm>
           <a:prstGeom prst="rect">
             <a:avLst/>
@@ -721,8 +729,8 @@
         </p:nvSpPr>
         <p:spPr>
           <a:xfrm>
-            <a:off x="685800" y="1143000"/>
-            <a:ext cx="5486400" cy="3086100"/>
+            <a:off x="373063" y="1233488"/>
+            <a:ext cx="5922962" cy="3332162"/>
           </a:xfrm>
           <a:prstGeom prst="rect">
             <a:avLst/>
@@ -754,8 +762,8 @@
         </p:nvSpPr>
         <p:spPr>
           <a:xfrm>
-            <a:off x="685800" y="4400550"/>
-            <a:ext cx="5486400" cy="3600450"/>
+            <a:off x="666909" y="4751220"/>
+            <a:ext cx="5335270" cy="3887361"/>
           </a:xfrm>
           <a:prstGeom prst="rect">
             <a:avLst/>
@@ -813,8 +821,8 @@
         </p:nvSpPr>
         <p:spPr>
           <a:xfrm>
-            <a:off x="0" y="8685213"/>
-            <a:ext cx="2971800" cy="458787"/>
+            <a:off x="0" y="9377318"/>
+            <a:ext cx="2889938" cy="495347"/>
           </a:xfrm>
           <a:prstGeom prst="rect">
             <a:avLst/>
@@ -844,8 +852,8 @@
         </p:nvSpPr>
         <p:spPr>
           <a:xfrm>
-            <a:off x="3884613" y="8685213"/>
-            <a:ext cx="2971800" cy="458787"/>
+            <a:off x="3777607" y="9377318"/>
+            <a:ext cx="2889938" cy="495347"/>
           </a:xfrm>
           <a:prstGeom prst="rect">
             <a:avLst/>
@@ -1928,12 +1936,8 @@
           </a:p>
           <a:p>
             <a:r>
-              <a:rPr lang="fr-FR"/>
-              <a:t>Vous </a:t>
-            </a:r>
-            <a:r>
-              <a:rPr lang="fr-FR" dirty="0"/>
-              <a:t>pourrez toujours me les poser après, si la question ne vous vient pas pour le moment.</a:t>
+              <a:rPr lang="fr-FR" dirty="0"/>
+              <a:t>Vous pourrez toujours me les poser après, si la question ne vous vient pas pour le moment.</a:t>
             </a:r>
           </a:p>
         </p:txBody>
@@ -6833,12 +6837,8 @@
           <a:lstStyle/>
           <a:p>
             <a:r>
-              <a:rPr lang="fr-FR" dirty="0"/>
-              <a:t>Fonction </a:t>
-            </a:r>
-            <a:r>
-              <a:rPr lang="fr-FR" dirty="0" err="1"/>
-              <a:t>flechées</a:t>
+              <a:rPr lang="fr-FR"/>
+              <a:t>Fonctions fléchées</a:t>
             </a:r>
             <a:endParaRPr lang="fr-FR" dirty="0"/>
           </a:p>

--- a/Fonction_flechee_1_1.pptx
+++ b/Fonction_flechee_1_1.pptx
@@ -242,7 +242,7 @@
   <pc:docChgLst>
     <pc:chgData name="BOUNATIROU Rodolphe" userId="02a2522b-b6cf-4b18-bfba-e33ca221fe04" providerId="ADAL" clId="{079D53D0-BCAA-4922-9147-2D7EFAD5C49E}"/>
     <pc:docChg chg="undo custSel modSld sldOrd modNotesMaster">
-      <pc:chgData name="BOUNATIROU Rodolphe" userId="02a2522b-b6cf-4b18-bfba-e33ca221fe04" providerId="ADAL" clId="{079D53D0-BCAA-4922-9147-2D7EFAD5C49E}" dt="2023-04-27T08:44:27.202" v="4783" actId="20577"/>
+      <pc:chgData name="BOUNATIROU Rodolphe" userId="02a2522b-b6cf-4b18-bfba-e33ca221fe04" providerId="ADAL" clId="{079D53D0-BCAA-4922-9147-2D7EFAD5C49E}" dt="2023-04-27T09:02:41.926" v="5001" actId="20577"/>
       <pc:docMkLst>
         <pc:docMk/>
       </pc:docMkLst>
@@ -362,7 +362,7 @@
         </pc:picChg>
       </pc:sldChg>
       <pc:sldChg chg="modSp mod modNotesTx">
-        <pc:chgData name="BOUNATIROU Rodolphe" userId="02a2522b-b6cf-4b18-bfba-e33ca221fe04" providerId="ADAL" clId="{079D53D0-BCAA-4922-9147-2D7EFAD5C49E}" dt="2023-04-24T06:57:06.688" v="1292" actId="20577"/>
+        <pc:chgData name="BOUNATIROU Rodolphe" userId="02a2522b-b6cf-4b18-bfba-e33ca221fe04" providerId="ADAL" clId="{079D53D0-BCAA-4922-9147-2D7EFAD5C49E}" dt="2023-04-27T08:52:45.395" v="4887" actId="1076"/>
         <pc:sldMkLst>
           <pc:docMk/>
           <pc:sldMk cId="1335617227" sldId="262"/>
@@ -392,7 +392,7 @@
           </ac:spMkLst>
         </pc:spChg>
         <pc:spChg chg="mod">
-          <ac:chgData name="BOUNATIROU Rodolphe" userId="02a2522b-b6cf-4b18-bfba-e33ca221fe04" providerId="ADAL" clId="{079D53D0-BCAA-4922-9147-2D7EFAD5C49E}" dt="2023-04-24T06:46:24.560" v="1108" actId="207"/>
+          <ac:chgData name="BOUNATIROU Rodolphe" userId="02a2522b-b6cf-4b18-bfba-e33ca221fe04" providerId="ADAL" clId="{079D53D0-BCAA-4922-9147-2D7EFAD5C49E}" dt="2023-04-27T08:52:45.395" v="4887" actId="1076"/>
           <ac:spMkLst>
             <pc:docMk/>
             <pc:sldMk cId="1335617227" sldId="262"/>
@@ -485,7 +485,7 @@
         </pc:spChg>
       </pc:sldChg>
       <pc:sldChg chg="addSp modSp mod modAnim modNotesTx">
-        <pc:chgData name="BOUNATIROU Rodolphe" userId="02a2522b-b6cf-4b18-bfba-e33ca221fe04" providerId="ADAL" clId="{079D53D0-BCAA-4922-9147-2D7EFAD5C49E}" dt="2023-04-24T10:29:34.393" v="3584" actId="20577"/>
+        <pc:chgData name="BOUNATIROU Rodolphe" userId="02a2522b-b6cf-4b18-bfba-e33ca221fe04" providerId="ADAL" clId="{079D53D0-BCAA-4922-9147-2D7EFAD5C49E}" dt="2023-04-27T09:02:41.926" v="5001" actId="20577"/>
         <pc:sldMkLst>
           <pc:docMk/>
           <pc:sldMk cId="1987047813" sldId="271"/>
@@ -610,15 +610,23 @@
           </ac:picMkLst>
         </pc:picChg>
       </pc:sldChg>
-      <pc:sldChg chg="ord modNotesTx">
-        <pc:chgData name="BOUNATIROU Rodolphe" userId="02a2522b-b6cf-4b18-bfba-e33ca221fe04" providerId="ADAL" clId="{079D53D0-BCAA-4922-9147-2D7EFAD5C49E}" dt="2023-04-25T10:45:20.956" v="4509" actId="20577"/>
+      <pc:sldChg chg="modSp mod ord modNotesTx">
+        <pc:chgData name="BOUNATIROU Rodolphe" userId="02a2522b-b6cf-4b18-bfba-e33ca221fe04" providerId="ADAL" clId="{079D53D0-BCAA-4922-9147-2D7EFAD5C49E}" dt="2023-04-27T08:50:32.179" v="4886" actId="20577"/>
         <pc:sldMkLst>
           <pc:docMk/>
           <pc:sldMk cId="2918181664" sldId="273"/>
         </pc:sldMkLst>
+        <pc:spChg chg="mod">
+          <ac:chgData name="BOUNATIROU Rodolphe" userId="02a2522b-b6cf-4b18-bfba-e33ca221fe04" providerId="ADAL" clId="{079D53D0-BCAA-4922-9147-2D7EFAD5C49E}" dt="2023-04-27T08:50:32.179" v="4886" actId="20577"/>
+          <ac:spMkLst>
+            <pc:docMk/>
+            <pc:sldMk cId="2918181664" sldId="273"/>
+            <ac:spMk id="2" creationId="{9144D916-7E3D-B6F8-4769-029D8A6AF2A2}"/>
+          </ac:spMkLst>
+        </pc:spChg>
       </pc:sldChg>
       <pc:sldChg chg="modNotesTx">
-        <pc:chgData name="BOUNATIROU Rodolphe" userId="02a2522b-b6cf-4b18-bfba-e33ca221fe04" providerId="ADAL" clId="{079D53D0-BCAA-4922-9147-2D7EFAD5C49E}" dt="2023-04-27T07:50:41.967" v="4772" actId="20577"/>
+        <pc:chgData name="BOUNATIROU Rodolphe" userId="02a2522b-b6cf-4b18-bfba-e33ca221fe04" providerId="ADAL" clId="{079D53D0-BCAA-4922-9147-2D7EFAD5C49E}" dt="2023-04-27T08:49:13.074" v="4785" actId="20577"/>
         <pc:sldMkLst>
           <pc:docMk/>
           <pc:sldMk cId="1901277922" sldId="274"/>
@@ -1391,20 +1399,26 @@
             </a:br>
             <a:r>
               <a:rPr lang="fr-FR" dirty="0"/>
-              <a:t>Mais en réalité, une copie de cette variable va être crée dans une propriété Target de notre instance Action afin d’en assurer son bon fonctionnement futur.&lt;CLIC&gt;</a:t>
-            </a:r>
-          </a:p>
-          <a:p>
-            <a:br>
-              <a:rPr lang="fr-FR" dirty="0"/>
-            </a:br>
-            <a:r>
-              <a:rPr lang="fr-FR" dirty="0"/>
-              <a:t>Ces copies seront des références si on parle d’objet et non de types primitifs.</a:t>
-            </a:r>
-            <a:br>
-              <a:rPr lang="fr-FR" dirty="0"/>
-            </a:br>
+              <a:t>Mais en réalité, une </a:t>
+            </a:r>
+            <a:r>
+              <a:rPr lang="fr-FR" dirty="0" err="1"/>
+              <a:t>réference</a:t>
+            </a:r>
+            <a:r>
+              <a:rPr lang="fr-FR" dirty="0"/>
+              <a:t> de cette variable va être crée dans une propriété Target de notre instance Action afin d’en assurer son bon fonctionnement </a:t>
+            </a:r>
+            <a:r>
+              <a:rPr lang="fr-FR"/>
+              <a:t>futur.&lt;</a:t>
+            </a:r>
+            <a:r>
+              <a:rPr lang="fr-FR" dirty="0"/>
+              <a:t>CLIC&gt;</a:t>
+            </a:r>
+          </a:p>
+          <a:p>
             <a:br>
               <a:rPr lang="fr-FR" dirty="0"/>
             </a:br>
@@ -1736,7 +1750,7 @@
           <a:p>
             <a:r>
               <a:rPr lang="fr-FR" dirty="0"/>
-              <a:t>Dans cette dernière partie, on va parler de la facilité à faire certaines choses.</a:t>
+              <a:t>Dans cette dernière partie, on va parler de l’accélération qu’apporte les fonctions fléchées.</a:t>
             </a:r>
             <a:br>
               <a:rPr lang="fr-FR" dirty="0"/>
@@ -1906,7 +1920,7 @@
             </a:br>
             <a:r>
               <a:rPr lang="fr-FR" dirty="0"/>
-              <a:t>Au niveau des sources,  je me suis beaucoup appuyer sur le site de Microsoft.</a:t>
+              <a:t>Au niveau des sources,  je me suis beaucoup appuyé sur le site de Microsoft.</a:t>
             </a:r>
           </a:p>
           <a:p>
@@ -1918,7 +1932,7 @@
           <a:p>
             <a:r>
               <a:rPr lang="fr-FR" dirty="0"/>
-              <a:t>Et Sophie, à également relu mon Powerpoint , et ajouté beaucoup de virgules, mais aussi faire gagner en clarté cette présentation</a:t>
+              <a:t>Et Sophie, à également relu mon Powerpoint , et ajouté beaucoup de virgules, mais aussi fait gagner en clarté cette présentation</a:t>
             </a:r>
             <a:br>
               <a:rPr lang="fr-FR" dirty="0"/>
@@ -8909,13 +8923,8 @@
           <a:p>
             <a:r>
               <a:rPr lang="fr-FR" dirty="0"/>
-              <a:t>Utilisation 3: </a:t>
-            </a:r>
-            <a:r>
-              <a:rPr lang="fr-FR" dirty="0" err="1"/>
-              <a:t>Acceleration</a:t>
-            </a:r>
-            <a:endParaRPr lang="fr-FR" dirty="0"/>
+              <a:t>Utilisation 3: Accélération</a:t>
+            </a:r>
           </a:p>
         </p:txBody>
       </p:sp>
@@ -11980,7 +11989,7 @@
         </p:nvSpPr>
         <p:spPr>
           <a:xfrm>
-            <a:off x="6756400" y="3296444"/>
+            <a:off x="6340763" y="3296443"/>
             <a:ext cx="3873500" cy="1620837"/>
           </a:xfrm>
           <a:prstGeom prst="rect">
